--- a/卒業論文/2015/浜野太豪/中間審査/中間ポスター.pptx
+++ b/卒業論文/2015/浜野太豪/中間審査/中間ポスター.pptx
@@ -211,7 +211,7 @@
           <a:p>
             <a:fld id="{1355B614-8C80-42CD-A0C7-A8AC0A708725}" type="datetimeFigureOut">
               <a:rPr kumimoji="1" lang="ja-JP" altLang="en-US" smtClean="0"/>
-              <a:t>2016/10/7</a:t>
+              <a:t>2016/10/11</a:t>
             </a:fld>
             <a:endParaRPr kumimoji="1" lang="ja-JP" altLang="en-US"/>
           </a:p>
@@ -726,7 +726,7 @@
           <a:p>
             <a:fld id="{CD18CB5A-6947-405F-A94A-52FF85729738}" type="datetimeFigureOut">
               <a:rPr kumimoji="1" lang="ja-JP" altLang="en-US" smtClean="0"/>
-              <a:t>2016/10/7</a:t>
+              <a:t>2016/10/11</a:t>
             </a:fld>
             <a:endParaRPr kumimoji="1" lang="ja-JP" altLang="en-US"/>
           </a:p>
@@ -935,7 +935,7 @@
           <a:p>
             <a:fld id="{CD18CB5A-6947-405F-A94A-52FF85729738}" type="datetimeFigureOut">
               <a:rPr kumimoji="1" lang="ja-JP" altLang="en-US" smtClean="0"/>
-              <a:t>2016/10/7</a:t>
+              <a:t>2016/10/11</a:t>
             </a:fld>
             <a:endParaRPr kumimoji="1" lang="ja-JP" altLang="en-US"/>
           </a:p>
@@ -1147,7 +1147,7 @@
           <a:p>
             <a:fld id="{CD18CB5A-6947-405F-A94A-52FF85729738}" type="datetimeFigureOut">
               <a:rPr kumimoji="1" lang="ja-JP" altLang="en-US" smtClean="0"/>
-              <a:t>2016/10/7</a:t>
+              <a:t>2016/10/11</a:t>
             </a:fld>
             <a:endParaRPr kumimoji="1" lang="ja-JP" altLang="en-US"/>
           </a:p>
@@ -1349,7 +1349,7 @@
           <a:p>
             <a:fld id="{CD18CB5A-6947-405F-A94A-52FF85729738}" type="datetimeFigureOut">
               <a:rPr kumimoji="1" lang="ja-JP" altLang="en-US" smtClean="0"/>
-              <a:t>2016/10/7</a:t>
+              <a:t>2016/10/11</a:t>
             </a:fld>
             <a:endParaRPr kumimoji="1" lang="ja-JP" altLang="en-US"/>
           </a:p>
@@ -1602,7 +1602,7 @@
           <a:p>
             <a:fld id="{CD18CB5A-6947-405F-A94A-52FF85729738}" type="datetimeFigureOut">
               <a:rPr kumimoji="1" lang="ja-JP" altLang="en-US" smtClean="0"/>
-              <a:t>2016/10/7</a:t>
+              <a:t>2016/10/11</a:t>
             </a:fld>
             <a:endParaRPr kumimoji="1" lang="ja-JP" altLang="en-US"/>
           </a:p>
@@ -1905,7 +1905,7 @@
           <a:p>
             <a:fld id="{CD18CB5A-6947-405F-A94A-52FF85729738}" type="datetimeFigureOut">
               <a:rPr kumimoji="1" lang="ja-JP" altLang="en-US" smtClean="0"/>
-              <a:t>2016/10/7</a:t>
+              <a:t>2016/10/11</a:t>
             </a:fld>
             <a:endParaRPr kumimoji="1" lang="ja-JP" altLang="en-US"/>
           </a:p>
@@ -2336,7 +2336,7 @@
           <a:p>
             <a:fld id="{CD18CB5A-6947-405F-A94A-52FF85729738}" type="datetimeFigureOut">
               <a:rPr kumimoji="1" lang="ja-JP" altLang="en-US" smtClean="0"/>
-              <a:t>2016/10/7</a:t>
+              <a:t>2016/10/11</a:t>
             </a:fld>
             <a:endParaRPr kumimoji="1" lang="ja-JP" altLang="en-US"/>
           </a:p>
@@ -2454,7 +2454,7 @@
           <a:p>
             <a:fld id="{CD18CB5A-6947-405F-A94A-52FF85729738}" type="datetimeFigureOut">
               <a:rPr kumimoji="1" lang="ja-JP" altLang="en-US" smtClean="0"/>
-              <a:t>2016/10/7</a:t>
+              <a:t>2016/10/11</a:t>
             </a:fld>
             <a:endParaRPr kumimoji="1" lang="ja-JP" altLang="en-US"/>
           </a:p>
@@ -2556,7 +2556,7 @@
           <a:p>
             <a:fld id="{CD18CB5A-6947-405F-A94A-52FF85729738}" type="datetimeFigureOut">
               <a:rPr kumimoji="1" lang="ja-JP" altLang="en-US" smtClean="0"/>
-              <a:t>2016/10/7</a:t>
+              <a:t>2016/10/11</a:t>
             </a:fld>
             <a:endParaRPr kumimoji="1" lang="ja-JP" altLang="en-US"/>
           </a:p>
@@ -2872,7 +2872,7 @@
           <a:p>
             <a:fld id="{CD18CB5A-6947-405F-A94A-52FF85729738}" type="datetimeFigureOut">
               <a:rPr kumimoji="1" lang="ja-JP" altLang="en-US" smtClean="0"/>
-              <a:t>2016/10/7</a:t>
+              <a:t>2016/10/11</a:t>
             </a:fld>
             <a:endParaRPr kumimoji="1" lang="ja-JP" altLang="en-US"/>
           </a:p>
@@ -3125,7 +3125,7 @@
           <a:p>
             <a:fld id="{CD18CB5A-6947-405F-A94A-52FF85729738}" type="datetimeFigureOut">
               <a:rPr kumimoji="1" lang="ja-JP" altLang="en-US" smtClean="0"/>
-              <a:t>2016/10/7</a:t>
+              <a:t>2016/10/11</a:t>
             </a:fld>
             <a:endParaRPr kumimoji="1" lang="ja-JP" altLang="en-US"/>
           </a:p>
@@ -3370,7 +3370,7 @@
           <a:p>
             <a:fld id="{CD18CB5A-6947-405F-A94A-52FF85729738}" type="datetimeFigureOut">
               <a:rPr kumimoji="1" lang="ja-JP" altLang="en-US" smtClean="0"/>
-              <a:t>2016/10/7</a:t>
+              <a:t>2016/10/11</a:t>
             </a:fld>
             <a:endParaRPr kumimoji="1" lang="ja-JP" altLang="en-US"/>
           </a:p>
@@ -3790,7 +3790,7 @@
         </p:nvSpPr>
         <p:spPr>
           <a:xfrm>
-            <a:off x="526405" y="22828627"/>
+            <a:off x="738084" y="22710706"/>
             <a:ext cx="19644171" cy="1085744"/>
           </a:xfrm>
           <a:prstGeom prst="rect">
@@ -3857,16 +3857,7 @@
                 </a:solidFill>
                 <a:latin typeface="+mn-ea"/>
               </a:rPr>
-              <a:t>の導入</a:t>
-            </a:r>
-            <a:r>
-              <a:rPr lang="ja-JP" altLang="en-US" sz="3600" dirty="0" smtClean="0">
-                <a:solidFill>
-                  <a:schemeClr val="tx1"/>
-                </a:solidFill>
-                <a:latin typeface="+mn-ea"/>
-              </a:rPr>
-              <a:t>と</a:t>
+              <a:t>の導入と</a:t>
             </a:r>
             <a:r>
               <a:rPr lang="en-US" altLang="ja-JP" sz="3600" dirty="0" err="1" smtClean="0">
@@ -3902,16 +3893,7 @@
                 </a:solidFill>
                 <a:latin typeface="+mn-ea"/>
               </a:rPr>
-              <a:t>ライブラリを理解</a:t>
-            </a:r>
-            <a:r>
-              <a:rPr lang="ja-JP" altLang="en-US" sz="3600" dirty="0" smtClean="0">
-                <a:solidFill>
-                  <a:schemeClr val="tx1"/>
-                </a:solidFill>
-                <a:latin typeface="+mn-ea"/>
-              </a:rPr>
-              <a:t>し，ボットの実装を行う．</a:t>
+              <a:t>ライブラリを理解し，ボットの実装を行う．</a:t>
             </a:r>
             <a:endParaRPr lang="en-US" altLang="ja-JP" sz="3600" dirty="0">
               <a:solidFill>
@@ -4350,7 +4332,7 @@
         </p:nvSpPr>
         <p:spPr>
           <a:xfrm>
-            <a:off x="866827" y="4882691"/>
+            <a:off x="553103" y="4675590"/>
             <a:ext cx="2664296" cy="923330"/>
           </a:xfrm>
           <a:prstGeom prst="rect">
@@ -4758,8 +4740,8 @@
         </p:nvSpPr>
         <p:spPr>
           <a:xfrm>
-            <a:off x="472651" y="18945340"/>
-            <a:ext cx="20238354" cy="1808052"/>
+            <a:off x="671242" y="18871212"/>
+            <a:ext cx="20182030" cy="1808052"/>
           </a:xfrm>
           <a:prstGeom prst="rect">
             <a:avLst/>
@@ -4792,13 +4774,22 @@
           <a:lstStyle/>
           <a:p>
             <a:r>
+              <a:rPr lang="ja-JP" altLang="en-US" sz="3600" dirty="0">
+                <a:solidFill>
+                  <a:schemeClr val="tx1"/>
+                </a:solidFill>
+                <a:latin typeface="+mn-ea"/>
+              </a:rPr>
+              <a:t>　</a:t>
+            </a:r>
+            <a:r>
               <a:rPr lang="en-US" altLang="ja-JP" sz="3600" dirty="0" smtClean="0">
                 <a:solidFill>
                   <a:schemeClr val="tx1"/>
                 </a:solidFill>
                 <a:latin typeface="+mn-ea"/>
               </a:rPr>
-              <a:t> Chat</a:t>
+              <a:t>Chat</a:t>
             </a:r>
             <a:r>
               <a:rPr lang="ja-JP" altLang="en-US" sz="3600" dirty="0" smtClean="0">
@@ -4873,18 +4864,6 @@
               <a:t>合する．統合することによって情報の共有，操作の可視化を行う．</a:t>
             </a:r>
             <a:endParaRPr lang="en-US" altLang="ja-JP" sz="3600" dirty="0" smtClean="0">
-              <a:solidFill>
-                <a:schemeClr val="tx1"/>
-              </a:solidFill>
-              <a:latin typeface="+mn-ea"/>
-            </a:endParaRPr>
-          </a:p>
-          <a:p>
-            <a:pPr marL="857250" indent="-857250">
-              <a:buFont typeface="Wingdings" panose="05000000000000000000" pitchFamily="2" charset="2"/>
-              <a:buChar char="l"/>
-            </a:pPr>
-            <a:endParaRPr lang="en-US" altLang="ja-JP" sz="3600" dirty="0">
               <a:solidFill>
                 <a:schemeClr val="tx1"/>
               </a:solidFill>
@@ -4904,10 +4883,6 @@
             </a:endParaRPr>
           </a:p>
           <a:p>
-            <a:pPr marL="857250" indent="-857250">
-              <a:buFont typeface="Wingdings" panose="05000000000000000000" pitchFamily="2" charset="2"/>
-              <a:buChar char="l"/>
-            </a:pPr>
             <a:endParaRPr lang="en-US" altLang="ja-JP" sz="3600" dirty="0" smtClean="0">
               <a:solidFill>
                 <a:schemeClr val="tx1"/>
@@ -4916,14 +4891,6 @@
             </a:endParaRPr>
           </a:p>
           <a:p>
-            <a:endParaRPr lang="en-US" altLang="ja-JP" sz="3600" dirty="0" smtClean="0">
-              <a:solidFill>
-                <a:schemeClr val="tx1"/>
-              </a:solidFill>
-              <a:latin typeface="+mn-ea"/>
-            </a:endParaRPr>
-          </a:p>
-          <a:p>
             <a:endParaRPr lang="en-US" altLang="ja-JP" sz="3600" dirty="0">
               <a:solidFill>
                 <a:schemeClr val="tx1"/>
@@ -4935,14 +4902,14 @@
       </p:sp>
       <p:sp>
         <p:nvSpPr>
-          <p:cNvPr id="42" name="正方形/長方形 41"/>
+          <p:cNvPr id="49" name="正方形/長方形 48"/>
           <p:cNvSpPr/>
           <p:nvPr/>
         </p:nvSpPr>
         <p:spPr>
           <a:xfrm>
-            <a:off x="757123" y="6029712"/>
-            <a:ext cx="19821049" cy="1613908"/>
+            <a:off x="735504" y="26241843"/>
+            <a:ext cx="8120442" cy="3260183"/>
           </a:xfrm>
           <a:prstGeom prst="rect">
             <a:avLst/>
@@ -4975,22 +4942,58 @@
           <a:lstStyle/>
           <a:p>
             <a:r>
+              <a:rPr lang="ja-JP" altLang="en-US" sz="3600" dirty="0">
+                <a:solidFill>
+                  <a:schemeClr val="tx1"/>
+                </a:solidFill>
+                <a:latin typeface="+mn-ea"/>
+              </a:rPr>
+              <a:t>　</a:t>
+            </a:r>
+            <a:r>
+              <a:rPr lang="en-US" altLang="ja-JP" sz="3600" dirty="0" err="1" smtClean="0">
+                <a:solidFill>
+                  <a:schemeClr val="tx1"/>
+                </a:solidFill>
+                <a:latin typeface="+mn-ea"/>
+              </a:rPr>
+              <a:t>SlackAPI</a:t>
+            </a:r>
+            <a:r>
+              <a:rPr lang="ja-JP" altLang="en-US" sz="3600" dirty="0" err="1" smtClean="0">
+                <a:solidFill>
+                  <a:schemeClr val="tx1"/>
+                </a:solidFill>
+                <a:latin typeface="+mn-ea"/>
+              </a:rPr>
+              <a:t>，</a:t>
+            </a:r>
+            <a:r>
+              <a:rPr lang="en-US" altLang="ja-JP" sz="3600" dirty="0" smtClean="0">
+                <a:solidFill>
+                  <a:schemeClr val="tx1"/>
+                </a:solidFill>
+                <a:latin typeface="+mn-ea"/>
+              </a:rPr>
+              <a:t>Node.js</a:t>
+            </a:r>
+            <a:r>
               <a:rPr lang="ja-JP" altLang="en-US" sz="3600" dirty="0" smtClean="0">
                 <a:solidFill>
                   <a:schemeClr val="tx1"/>
                 </a:solidFill>
                 <a:latin typeface="+mn-ea"/>
               </a:rPr>
-              <a:t>システム運用の現場では</a:t>
-            </a:r>
-            <a:r>
-              <a:rPr lang="en-US" altLang="ja-JP" sz="3600" dirty="0" err="1" smtClean="0">
+              <a:t>ライブラリの活用方法を理解した．そのため</a:t>
+            </a:r>
+            <a:r>
+              <a:rPr lang="en-US" altLang="ja-JP" sz="3600" dirty="0" smtClean="0">
                 <a:solidFill>
                   <a:schemeClr val="tx1"/>
                 </a:solidFill>
                 <a:latin typeface="+mn-ea"/>
               </a:rPr>
-              <a:t>ChatOps</a:t>
+              <a:t>Slack</a:t>
             </a:r>
             <a:r>
               <a:rPr lang="ja-JP" altLang="en-US" sz="3600" dirty="0" smtClean="0">
@@ -4999,50 +5002,44 @@
                 </a:solidFill>
                 <a:latin typeface="+mn-ea"/>
               </a:rPr>
-              <a:t>という考え方が広まりつつあります．</a:t>
-            </a:r>
-            <a:endParaRPr lang="en-US" altLang="ja-JP" sz="3600" dirty="0" smtClean="0">
-              <a:solidFill>
-                <a:schemeClr val="tx1"/>
-              </a:solidFill>
-              <a:latin typeface="+mn-ea"/>
-            </a:endParaRPr>
-          </a:p>
-          <a:p>
-            <a:endParaRPr lang="en-US" altLang="ja-JP" sz="3600" dirty="0" smtClean="0">
-              <a:solidFill>
-                <a:schemeClr val="tx1"/>
-              </a:solidFill>
-              <a:latin typeface="+mn-ea"/>
-            </a:endParaRPr>
-          </a:p>
-          <a:p>
-            <a:r>
-              <a:rPr lang="en-US" altLang="ja-JP" sz="3600" u="sng" dirty="0" err="1" smtClean="0">
+              <a:t>上の発言から</a:t>
+            </a:r>
+            <a:r>
+              <a:rPr lang="en-US" altLang="ja-JP" sz="3600" dirty="0" smtClean="0">
                 <a:solidFill>
                   <a:schemeClr val="tx1"/>
                 </a:solidFill>
                 <a:latin typeface="+mn-ea"/>
               </a:rPr>
-              <a:t>ChatOps</a:t>
-            </a:r>
-            <a:r>
-              <a:rPr lang="ja-JP" altLang="en-US" sz="3600" u="sng" dirty="0" smtClean="0">
+              <a:t>Github</a:t>
+            </a:r>
+            <a:r>
+              <a:rPr lang="ja-JP" altLang="en-US" sz="3600" dirty="0" smtClean="0">
                 <a:solidFill>
                   <a:schemeClr val="tx1"/>
                 </a:solidFill>
                 <a:latin typeface="+mn-ea"/>
               </a:rPr>
-              <a:t>とは</a:t>
-            </a:r>
-            <a:endParaRPr lang="en-US" altLang="ja-JP" sz="3600" u="sng" dirty="0" smtClean="0">
-              <a:solidFill>
-                <a:schemeClr val="tx1"/>
-              </a:solidFill>
-              <a:latin typeface="+mn-ea"/>
-            </a:endParaRPr>
-          </a:p>
-          <a:p>
+              <a:t>の</a:t>
+            </a:r>
+            <a:r>
+              <a:rPr lang="en-US" altLang="ja-JP" sz="3600" dirty="0" smtClean="0">
+                <a:solidFill>
+                  <a:schemeClr val="tx1"/>
+                </a:solidFill>
+                <a:latin typeface="+mn-ea"/>
+              </a:rPr>
+              <a:t>Issue</a:t>
+            </a:r>
+            <a:r>
+              <a:rPr lang="ja-JP" altLang="en-US" sz="3600" dirty="0" smtClean="0">
+                <a:solidFill>
+                  <a:schemeClr val="tx1"/>
+                </a:solidFill>
+                <a:latin typeface="+mn-ea"/>
+              </a:rPr>
+              <a:t>を作成するボットの作成を行うことができた．</a:t>
+            </a:r>
             <a:endParaRPr lang="en-US" altLang="ja-JP" sz="3600" dirty="0">
               <a:solidFill>
                 <a:schemeClr val="tx1"/>
@@ -5063,6 +5060,22 @@
             </a:endParaRPr>
           </a:p>
           <a:p>
+            <a:pPr marL="857250" indent="-857250">
+              <a:buFont typeface="Wingdings" panose="05000000000000000000" pitchFamily="2" charset="2"/>
+              <a:buChar char="l"/>
+            </a:pPr>
+            <a:endParaRPr lang="en-US" altLang="ja-JP" sz="3600" dirty="0">
+              <a:solidFill>
+                <a:schemeClr val="tx1"/>
+              </a:solidFill>
+              <a:latin typeface="+mn-ea"/>
+            </a:endParaRPr>
+          </a:p>
+          <a:p>
+            <a:pPr marL="857250" indent="-857250">
+              <a:buFont typeface="Wingdings" panose="05000000000000000000" pitchFamily="2" charset="2"/>
+              <a:buChar char="l"/>
+            </a:pPr>
             <a:endParaRPr lang="en-US" altLang="ja-JP" sz="3600" dirty="0" smtClean="0">
               <a:solidFill>
                 <a:schemeClr val="tx1"/>
@@ -5071,6 +5084,14 @@
             </a:endParaRPr>
           </a:p>
           <a:p>
+            <a:endParaRPr lang="en-US" altLang="ja-JP" sz="3600" dirty="0" smtClean="0">
+              <a:solidFill>
+                <a:schemeClr val="tx1"/>
+              </a:solidFill>
+              <a:latin typeface="+mn-ea"/>
+            </a:endParaRPr>
+          </a:p>
+          <a:p>
             <a:endParaRPr lang="en-US" altLang="ja-JP" sz="3600" dirty="0">
               <a:solidFill>
                 <a:schemeClr val="tx1"/>
@@ -5082,14 +5103,14 @@
       </p:sp>
       <p:sp>
         <p:nvSpPr>
-          <p:cNvPr id="49" name="正方形/長方形 48"/>
+          <p:cNvPr id="21" name="正方形/長方形 20"/>
           <p:cNvSpPr/>
           <p:nvPr/>
         </p:nvSpPr>
         <p:spPr>
           <a:xfrm>
-            <a:off x="554285" y="26142278"/>
-            <a:ext cx="8120442" cy="3260183"/>
+            <a:off x="1265432" y="6433417"/>
+            <a:ext cx="3029205" cy="1103324"/>
           </a:xfrm>
           <a:prstGeom prst="rect">
             <a:avLst/>
@@ -5098,7 +5119,9 @@
             <a:schemeClr val="bg1"/>
           </a:solidFill>
           <a:ln>
-            <a:noFill/>
+            <a:solidFill>
+              <a:schemeClr val="tx1"/>
+            </a:solidFill>
           </a:ln>
         </p:spPr>
         <p:style>
@@ -5118,179 +5141,36 @@
           </a:fontRef>
         </p:style>
         <p:txBody>
-          <a:bodyPr lIns="295232" tIns="147616" rIns="295232" bIns="147616" rtlCol="0" anchor="t"/>
-          <a:lstStyle/>
-          <a:p>
-            <a:r>
-              <a:rPr lang="en-US" altLang="ja-JP" sz="3600" dirty="0">
+          <a:bodyPr rtlCol="0" anchor="ctr"/>
+          <a:lstStyle/>
+          <a:p>
+            <a:pPr algn="ctr"/>
+            <a:r>
+              <a:rPr kumimoji="1" lang="ja-JP" altLang="en-US" sz="3200" dirty="0" smtClean="0">
                 <a:solidFill>
                   <a:schemeClr val="tx1"/>
                 </a:solidFill>
-                <a:latin typeface="+mn-ea"/>
               </a:rPr>
-              <a:t> </a:t>
-            </a:r>
-            <a:r>
-              <a:rPr lang="en-US" altLang="ja-JP" sz="3600" dirty="0" err="1" smtClean="0">
-                <a:solidFill>
-                  <a:schemeClr val="tx1"/>
-                </a:solidFill>
-                <a:latin typeface="+mn-ea"/>
-              </a:rPr>
-              <a:t>SlackAPI</a:t>
-            </a:r>
-            <a:r>
-              <a:rPr lang="ja-JP" altLang="en-US" sz="3600" dirty="0" err="1" smtClean="0">
-                <a:solidFill>
-                  <a:schemeClr val="tx1"/>
-                </a:solidFill>
-                <a:latin typeface="+mn-ea"/>
-              </a:rPr>
-              <a:t>，</a:t>
-            </a:r>
-            <a:r>
-              <a:rPr lang="en-US" altLang="ja-JP" sz="3600" dirty="0" smtClean="0">
-                <a:solidFill>
-                  <a:schemeClr val="tx1"/>
-                </a:solidFill>
-                <a:latin typeface="+mn-ea"/>
-              </a:rPr>
-              <a:t>Node.js</a:t>
-            </a:r>
-            <a:r>
-              <a:rPr lang="ja-JP" altLang="en-US" sz="3600" dirty="0" smtClean="0">
-                <a:solidFill>
-                  <a:schemeClr val="tx1"/>
-                </a:solidFill>
-                <a:latin typeface="+mn-ea"/>
-              </a:rPr>
-              <a:t>ライブラリの活用方法を理解した．そのため</a:t>
-            </a:r>
-            <a:r>
-              <a:rPr lang="en-US" altLang="ja-JP" sz="3600" dirty="0" smtClean="0">
-                <a:solidFill>
-                  <a:schemeClr val="tx1"/>
-                </a:solidFill>
-                <a:latin typeface="+mn-ea"/>
-              </a:rPr>
-              <a:t>Slack</a:t>
-            </a:r>
-            <a:r>
-              <a:rPr lang="ja-JP" altLang="en-US" sz="3600" dirty="0" smtClean="0">
-                <a:solidFill>
-                  <a:schemeClr val="tx1"/>
-                </a:solidFill>
-                <a:latin typeface="+mn-ea"/>
-              </a:rPr>
-              <a:t>上の発言から</a:t>
-            </a:r>
-            <a:r>
-              <a:rPr lang="en-US" altLang="ja-JP" sz="3600" dirty="0" smtClean="0">
-                <a:solidFill>
-                  <a:schemeClr val="tx1"/>
-                </a:solidFill>
-                <a:latin typeface="+mn-ea"/>
-              </a:rPr>
-              <a:t>Github</a:t>
-            </a:r>
-            <a:r>
-              <a:rPr lang="ja-JP" altLang="en-US" sz="3600" dirty="0" smtClean="0">
-                <a:solidFill>
-                  <a:schemeClr val="tx1"/>
-                </a:solidFill>
-                <a:latin typeface="+mn-ea"/>
-              </a:rPr>
-              <a:t>の</a:t>
-            </a:r>
-            <a:r>
-              <a:rPr lang="en-US" altLang="ja-JP" sz="3600" dirty="0" smtClean="0">
-                <a:solidFill>
-                  <a:schemeClr val="tx1"/>
-                </a:solidFill>
-                <a:latin typeface="+mn-ea"/>
-              </a:rPr>
-              <a:t>Issue</a:t>
-            </a:r>
-            <a:r>
-              <a:rPr lang="ja-JP" altLang="en-US" sz="3600" dirty="0" smtClean="0">
-                <a:solidFill>
-                  <a:schemeClr val="tx1"/>
-                </a:solidFill>
-                <a:latin typeface="+mn-ea"/>
-              </a:rPr>
-              <a:t>を作成するボットの作成を行うことができた．</a:t>
-            </a:r>
-            <a:endParaRPr lang="en-US" altLang="ja-JP" sz="3600" dirty="0">
+              <a:t>監視ツール</a:t>
+            </a:r>
+            <a:endParaRPr kumimoji="1" lang="ja-JP" altLang="en-US" sz="3200" dirty="0">
               <a:solidFill>
                 <a:schemeClr val="tx1"/>
               </a:solidFill>
-              <a:latin typeface="+mn-ea"/>
             </a:endParaRPr>
           </a:p>
-          <a:p>
-            <a:pPr marL="857250" indent="-857250">
-              <a:buFont typeface="Wingdings" panose="05000000000000000000" pitchFamily="2" charset="2"/>
-              <a:buChar char="l"/>
-            </a:pPr>
-            <a:endParaRPr lang="en-US" altLang="ja-JP" sz="3600" dirty="0" smtClean="0">
-              <a:solidFill>
-                <a:schemeClr val="tx1"/>
-              </a:solidFill>
-              <a:latin typeface="+mn-ea"/>
-            </a:endParaRPr>
-          </a:p>
-          <a:p>
-            <a:pPr marL="857250" indent="-857250">
-              <a:buFont typeface="Wingdings" panose="05000000000000000000" pitchFamily="2" charset="2"/>
-              <a:buChar char="l"/>
-            </a:pPr>
-            <a:endParaRPr lang="en-US" altLang="ja-JP" sz="3600" dirty="0">
-              <a:solidFill>
-                <a:schemeClr val="tx1"/>
-              </a:solidFill>
-              <a:latin typeface="+mn-ea"/>
-            </a:endParaRPr>
-          </a:p>
-          <a:p>
-            <a:pPr marL="857250" indent="-857250">
-              <a:buFont typeface="Wingdings" panose="05000000000000000000" pitchFamily="2" charset="2"/>
-              <a:buChar char="l"/>
-            </a:pPr>
-            <a:endParaRPr lang="en-US" altLang="ja-JP" sz="3600" dirty="0" smtClean="0">
-              <a:solidFill>
-                <a:schemeClr val="tx1"/>
-              </a:solidFill>
-              <a:latin typeface="+mn-ea"/>
-            </a:endParaRPr>
-          </a:p>
-          <a:p>
-            <a:endParaRPr lang="en-US" altLang="ja-JP" sz="3600" dirty="0" smtClean="0">
-              <a:solidFill>
-                <a:schemeClr val="tx1"/>
-              </a:solidFill>
-              <a:latin typeface="+mn-ea"/>
-            </a:endParaRPr>
-          </a:p>
-          <a:p>
-            <a:endParaRPr lang="en-US" altLang="ja-JP" sz="3600" dirty="0">
-              <a:solidFill>
-                <a:schemeClr val="tx1"/>
-              </a:solidFill>
-              <a:latin typeface="+mn-ea"/>
-            </a:endParaRPr>
-          </a:p>
-        </p:txBody>
-      </p:sp>
-      <p:sp>
-        <p:nvSpPr>
-          <p:cNvPr id="21" name="正方形/長方形 20"/>
+        </p:txBody>
+      </p:sp>
+      <p:sp>
+        <p:nvSpPr>
+          <p:cNvPr id="57" name="正方形/長方形 56"/>
           <p:cNvSpPr/>
           <p:nvPr/>
         </p:nvSpPr>
         <p:spPr>
           <a:xfrm>
-            <a:off x="1059957" y="8201420"/>
-            <a:ext cx="3264453" cy="1666967"/>
+            <a:off x="5837973" y="6456956"/>
+            <a:ext cx="2924275" cy="1109754"/>
           </a:xfrm>
           <a:prstGeom prst="rect">
             <a:avLst/>
@@ -5326,14 +5206,14 @@
           <a:p>
             <a:pPr algn="ctr"/>
             <a:r>
-              <a:rPr kumimoji="1" lang="ja-JP" altLang="en-US" sz="4400" dirty="0" smtClean="0">
+              <a:rPr kumimoji="1" lang="ja-JP" altLang="en-US" sz="3200" dirty="0" smtClean="0">
                 <a:solidFill>
                   <a:schemeClr val="tx1"/>
                 </a:solidFill>
               </a:rPr>
-              <a:t>監視ツール</a:t>
-            </a:r>
-            <a:endParaRPr kumimoji="1" lang="ja-JP" altLang="en-US" sz="4400" dirty="0">
+              <a:t>通知ツール</a:t>
+            </a:r>
+            <a:endParaRPr kumimoji="1" lang="ja-JP" altLang="en-US" sz="3200" dirty="0">
               <a:solidFill>
                 <a:schemeClr val="tx1"/>
               </a:solidFill>
@@ -5343,14 +5223,14 @@
       </p:sp>
       <p:sp>
         <p:nvSpPr>
-          <p:cNvPr id="57" name="正方形/長方形 56"/>
+          <p:cNvPr id="58" name="正方形/長方形 57"/>
           <p:cNvSpPr/>
           <p:nvPr/>
         </p:nvSpPr>
         <p:spPr>
           <a:xfrm>
-            <a:off x="5457434" y="8201420"/>
-            <a:ext cx="3151416" cy="1666967"/>
+            <a:off x="10373999" y="6463385"/>
+            <a:ext cx="3670558" cy="1103325"/>
           </a:xfrm>
           <a:prstGeom prst="rect">
             <a:avLst/>
@@ -5386,31 +5266,42 @@
           <a:p>
             <a:pPr algn="ctr"/>
             <a:r>
-              <a:rPr kumimoji="1" lang="ja-JP" altLang="en-US" sz="4400" dirty="0" smtClean="0">
+              <a:rPr lang="ja-JP" altLang="en-US" sz="3200" dirty="0">
                 <a:solidFill>
                   <a:schemeClr val="tx1"/>
                 </a:solidFill>
               </a:rPr>
-              <a:t>通知ツール</a:t>
-            </a:r>
-            <a:endParaRPr kumimoji="1" lang="ja-JP" altLang="en-US" sz="4400" dirty="0">
+              <a:t>インシデント</a:t>
+            </a:r>
+            <a:endParaRPr lang="en-US" altLang="ja-JP" sz="3200" dirty="0">
               <a:solidFill>
                 <a:schemeClr val="tx1"/>
               </a:solidFill>
             </a:endParaRPr>
           </a:p>
-        </p:txBody>
-      </p:sp>
-      <p:sp>
-        <p:nvSpPr>
-          <p:cNvPr id="58" name="正方形/長方形 57"/>
+          <a:p>
+            <a:pPr algn="ctr"/>
+            <a:r>
+              <a:rPr lang="ja-JP" altLang="en-US" sz="3200" dirty="0">
+                <a:solidFill>
+                  <a:schemeClr val="tx1"/>
+                </a:solidFill>
+              </a:rPr>
+              <a:t>管理ツール</a:t>
+            </a:r>
+          </a:p>
+        </p:txBody>
+      </p:sp>
+      <p:sp>
+        <p:nvSpPr>
+          <p:cNvPr id="24" name="正方形/長方形 23"/>
           <p:cNvSpPr/>
           <p:nvPr/>
         </p:nvSpPr>
         <p:spPr>
           <a:xfrm>
-            <a:off x="11364799" y="8272682"/>
-            <a:ext cx="3670558" cy="1626850"/>
+            <a:off x="15680028" y="6446753"/>
+            <a:ext cx="3670558" cy="1098945"/>
           </a:xfrm>
           <a:prstGeom prst="rect">
             <a:avLst/>
@@ -5446,53 +5337,42 @@
           <a:p>
             <a:pPr algn="ctr"/>
             <a:r>
-              <a:rPr lang="ja-JP" altLang="en-US" sz="4400" dirty="0">
+              <a:rPr kumimoji="1" lang="en-US" altLang="ja-JP" sz="3200" dirty="0" smtClean="0">
                 <a:solidFill>
                   <a:schemeClr val="tx1"/>
                 </a:solidFill>
+                <a:latin typeface="+mn-ea"/>
               </a:rPr>
-              <a:t>インシデント</a:t>
-            </a:r>
-            <a:endParaRPr lang="en-US" altLang="ja-JP" sz="4400" dirty="0">
+              <a:t>GitHub</a:t>
+            </a:r>
+            <a:endParaRPr kumimoji="1" lang="ja-JP" altLang="en-US" sz="3200" dirty="0">
               <a:solidFill>
                 <a:schemeClr val="tx1"/>
               </a:solidFill>
+              <a:latin typeface="+mn-ea"/>
             </a:endParaRPr>
           </a:p>
-          <a:p>
-            <a:pPr algn="ctr"/>
-            <a:r>
-              <a:rPr lang="ja-JP" altLang="en-US" sz="4400" dirty="0">
-                <a:solidFill>
-                  <a:schemeClr val="tx1"/>
-                </a:solidFill>
-              </a:rPr>
-              <a:t>管理ツール</a:t>
-            </a:r>
-          </a:p>
-        </p:txBody>
-      </p:sp>
-      <p:sp>
-        <p:nvSpPr>
-          <p:cNvPr id="24" name="正方形/長方形 23"/>
+        </p:txBody>
+      </p:sp>
+      <p:sp>
+        <p:nvSpPr>
+          <p:cNvPr id="4" name="正方形/長方形 3"/>
           <p:cNvSpPr/>
           <p:nvPr/>
         </p:nvSpPr>
         <p:spPr>
           <a:xfrm>
-            <a:off x="16725500" y="8253938"/>
-            <a:ext cx="3670558" cy="1652207"/>
+            <a:off x="17347396" y="10197381"/>
+            <a:ext cx="3505875" cy="1076351"/>
           </a:xfrm>
           <a:prstGeom prst="rect">
             <a:avLst/>
           </a:prstGeom>
           <a:solidFill>
-            <a:schemeClr val="bg1"/>
+            <a:srgbClr val="0099CC"/>
           </a:solidFill>
           <a:ln>
-            <a:solidFill>
-              <a:schemeClr val="tx1"/>
-            </a:solidFill>
+            <a:noFill/>
           </a:ln>
         </p:spPr>
         <p:style>
@@ -5517,33 +5397,66 @@
           <a:p>
             <a:pPr algn="ctr"/>
             <a:r>
-              <a:rPr kumimoji="1" lang="en-US" altLang="ja-JP" sz="4400" dirty="0" smtClean="0">
+              <a:rPr kumimoji="1" lang="en-US" altLang="ja-JP" sz="3600" dirty="0" smtClean="0">
                 <a:solidFill>
-                  <a:schemeClr val="tx1"/>
+                  <a:schemeClr val="bg1"/>
                 </a:solidFill>
-                <a:latin typeface="+mn-ea"/>
               </a:rPr>
-              <a:t>GitHub</a:t>
-            </a:r>
-            <a:endParaRPr kumimoji="1" lang="ja-JP" altLang="en-US" sz="4400" dirty="0">
+              <a:t>Slack</a:t>
+            </a:r>
+          </a:p>
+          <a:p>
+            <a:pPr algn="ctr"/>
+            <a:r>
+              <a:rPr kumimoji="1" lang="en-US" altLang="ja-JP" sz="3600" dirty="0" smtClean="0">
+                <a:solidFill>
+                  <a:schemeClr val="bg1"/>
+                </a:solidFill>
+              </a:rPr>
+              <a:t>(</a:t>
+            </a:r>
+            <a:r>
+              <a:rPr kumimoji="1" lang="ja-JP" altLang="en-US" sz="3600" dirty="0" smtClean="0">
+                <a:solidFill>
+                  <a:schemeClr val="bg1"/>
+                </a:solidFill>
+              </a:rPr>
+              <a:t>チャット</a:t>
+            </a:r>
+            <a:r>
+              <a:rPr kumimoji="1" lang="ja-JP" altLang="en-US" sz="3200" dirty="0" smtClean="0">
+                <a:solidFill>
+                  <a:schemeClr val="bg1"/>
+                </a:solidFill>
+              </a:rPr>
+              <a:t>サービス</a:t>
+            </a:r>
+            <a:r>
+              <a:rPr kumimoji="1" lang="en-US" altLang="ja-JP" sz="3200" dirty="0" smtClean="0">
+                <a:solidFill>
+                  <a:schemeClr val="bg1"/>
+                </a:solidFill>
+              </a:rPr>
+              <a:t>)</a:t>
+            </a:r>
+            <a:endParaRPr kumimoji="1" lang="ja-JP" altLang="en-US" sz="3600" dirty="0">
               <a:solidFill>
-                <a:schemeClr val="tx1"/>
+                <a:schemeClr val="bg1"/>
               </a:solidFill>
-              <a:latin typeface="+mn-ea"/>
             </a:endParaRPr>
           </a:p>
         </p:txBody>
       </p:sp>
       <p:sp>
         <p:nvSpPr>
-          <p:cNvPr id="4" name="正方形/長方形 3"/>
+          <p:cNvPr id="28" name="正方形/長方形 27"/>
           <p:cNvSpPr/>
           <p:nvPr/>
         </p:nvSpPr>
         <p:spPr>
           <a:xfrm>
-            <a:off x="8082922" y="11924968"/>
-            <a:ext cx="4104456" cy="1589651"/>
+            <a:off x="1151510" y="16195058"/>
+            <a:ext cx="19821049" cy="638102"/>
           </a:xfrm>
           <a:prstGeom prst="rect">
             <a:avLst/>
@@ -5552,9 +5465,7 @@
             <a:schemeClr val="bg1"/>
           </a:solidFill>
           <a:ln>
-            <a:solidFill>
-              <a:schemeClr val="tx1"/>
-            </a:solidFill>
+            <a:noFill/>
           </a:ln>
         </p:spPr>
         <p:style>
@@ -5574,44 +5485,45 @@
           </a:fontRef>
         </p:style>
         <p:txBody>
-          <a:bodyPr rtlCol="0" anchor="ctr"/>
-          <a:lstStyle/>
-          <a:p>
-            <a:pPr algn="ctr"/>
-            <a:r>
-              <a:rPr kumimoji="1" lang="en-US" altLang="ja-JP" sz="4800" dirty="0" smtClean="0">
+          <a:bodyPr lIns="295232" tIns="147616" rIns="295232" bIns="147616" rtlCol="0" anchor="t"/>
+          <a:lstStyle/>
+          <a:p>
+            <a:r>
+              <a:rPr lang="ja-JP" altLang="en-US" sz="3600" dirty="0" smtClean="0">
                 <a:solidFill>
                   <a:schemeClr val="tx1"/>
                 </a:solidFill>
+                <a:latin typeface="+mn-ea"/>
               </a:rPr>
-              <a:t>Chat</a:t>
-            </a:r>
-            <a:r>
-              <a:rPr kumimoji="1" lang="ja-JP" altLang="en-US" sz="4400" dirty="0" smtClean="0">
-                <a:solidFill>
-                  <a:schemeClr val="tx1"/>
-                </a:solidFill>
-              </a:rPr>
-              <a:t>サービス</a:t>
-            </a:r>
-            <a:endParaRPr kumimoji="1" lang="ja-JP" altLang="en-US" sz="4800" dirty="0">
+              <a:t>チャットボットとは人間の代わりにチャットを行うプログラムのことを指す．</a:t>
+            </a:r>
+            <a:endParaRPr lang="en-US" altLang="ja-JP" sz="3600" dirty="0" smtClean="0">
               <a:solidFill>
                 <a:schemeClr val="tx1"/>
               </a:solidFill>
+              <a:latin typeface="+mn-ea"/>
             </a:endParaRPr>
           </a:p>
-        </p:txBody>
-      </p:sp>
-      <p:sp>
-        <p:nvSpPr>
-          <p:cNvPr id="28" name="正方形/長方形 27"/>
+          <a:p>
+            <a:endParaRPr lang="en-US" altLang="ja-JP" sz="3600" dirty="0">
+              <a:solidFill>
+                <a:schemeClr val="tx1"/>
+              </a:solidFill>
+              <a:latin typeface="+mn-ea"/>
+            </a:endParaRPr>
+          </a:p>
+        </p:txBody>
+      </p:sp>
+      <p:sp>
+        <p:nvSpPr>
+          <p:cNvPr id="60" name="正方形/長方形 59"/>
           <p:cNvSpPr/>
           <p:nvPr/>
         </p:nvSpPr>
         <p:spPr>
           <a:xfrm>
-            <a:off x="917219" y="14253679"/>
-            <a:ext cx="19821049" cy="2361409"/>
+            <a:off x="10781140" y="26379966"/>
+            <a:ext cx="9456105" cy="2820782"/>
           </a:xfrm>
           <a:prstGeom prst="rect">
             <a:avLst/>
@@ -5643,6 +5555,10 @@
           <a:bodyPr lIns="295232" tIns="147616" rIns="295232" bIns="147616" rtlCol="0" anchor="t"/>
           <a:lstStyle/>
           <a:p>
+            <a:pPr marL="742950" indent="-742950">
+              <a:buFont typeface="+mj-lt"/>
+              <a:buAutoNum type="arabicPeriod"/>
+            </a:pPr>
             <a:r>
               <a:rPr lang="ja-JP" altLang="en-US" sz="3600" dirty="0" smtClean="0">
                 <a:solidFill>
@@ -5650,8 +5566,50 @@
                 </a:solidFill>
                 <a:latin typeface="+mn-ea"/>
               </a:rPr>
-              <a:t>　</a:t>
-            </a:r>
+              <a:t>チーム活動に必要になる要件をまとめる．</a:t>
+            </a:r>
+            <a:endParaRPr lang="en-US" altLang="ja-JP" sz="3600" dirty="0" smtClean="0">
+              <a:solidFill>
+                <a:schemeClr val="tx1"/>
+              </a:solidFill>
+              <a:latin typeface="+mn-ea"/>
+            </a:endParaRPr>
+          </a:p>
+          <a:p>
+            <a:pPr marL="742950" indent="-742950">
+              <a:buFont typeface="+mj-lt"/>
+              <a:buAutoNum type="arabicPeriod"/>
+            </a:pPr>
+            <a:r>
+              <a:rPr lang="en-US" altLang="ja-JP" sz="3600" dirty="0" smtClean="0">
+                <a:solidFill>
+                  <a:schemeClr val="tx1"/>
+                </a:solidFill>
+                <a:latin typeface="+mn-ea"/>
+              </a:rPr>
+              <a:t>JavaScript</a:t>
+            </a:r>
+            <a:r>
+              <a:rPr lang="ja-JP" altLang="en-US" sz="3600" dirty="0" smtClean="0">
+                <a:solidFill>
+                  <a:schemeClr val="tx1"/>
+                </a:solidFill>
+                <a:latin typeface="+mn-ea"/>
+              </a:rPr>
+              <a:t>を用いて機能を実装する．</a:t>
+            </a:r>
+            <a:endParaRPr lang="en-US" altLang="ja-JP" sz="3600" dirty="0" smtClean="0">
+              <a:solidFill>
+                <a:schemeClr val="tx1"/>
+              </a:solidFill>
+              <a:latin typeface="+mn-ea"/>
+            </a:endParaRPr>
+          </a:p>
+          <a:p>
+            <a:pPr marL="742950" indent="-742950">
+              <a:buFont typeface="+mj-lt"/>
+              <a:buAutoNum type="arabicPeriod"/>
+            </a:pPr>
             <a:r>
               <a:rPr lang="en-US" altLang="ja-JP" sz="3600" dirty="0" smtClean="0">
                 <a:solidFill>
@@ -5668,25 +5626,7 @@
                 </a:solidFill>
                 <a:latin typeface="+mn-ea"/>
               </a:rPr>
-              <a:t>サービスにツールを連携して自動化すること．それを</a:t>
-            </a:r>
-            <a:r>
-              <a:rPr lang="en-US" altLang="ja-JP" sz="3600" dirty="0" err="1" smtClean="0">
-                <a:solidFill>
-                  <a:schemeClr val="tx1"/>
-                </a:solidFill>
-                <a:latin typeface="+mn-ea"/>
-              </a:rPr>
-              <a:t>ChatOps</a:t>
-            </a:r>
-            <a:r>
-              <a:rPr lang="ja-JP" altLang="en-US" sz="3600" dirty="0" smtClean="0">
-                <a:solidFill>
-                  <a:schemeClr val="tx1"/>
-                </a:solidFill>
-                <a:latin typeface="+mn-ea"/>
-              </a:rPr>
-              <a:t>と呼びます．</a:t>
+              <a:t>ボットを実際に利用してもらう．</a:t>
             </a:r>
             <a:endParaRPr lang="en-US" altLang="ja-JP" sz="3600" dirty="0">
               <a:solidFill>
@@ -5696,51 +5636,10 @@
             </a:endParaRPr>
           </a:p>
           <a:p>
-            <a:r>
-              <a:rPr lang="ja-JP" altLang="en-US" sz="3600" dirty="0" smtClean="0">
-                <a:solidFill>
-                  <a:schemeClr val="tx1"/>
-                </a:solidFill>
-                <a:latin typeface="+mn-ea"/>
-              </a:rPr>
-              <a:t>　それに加えて</a:t>
-            </a:r>
-            <a:r>
-              <a:rPr lang="en-US" altLang="ja-JP" sz="3600" dirty="0" smtClean="0">
-                <a:solidFill>
-                  <a:schemeClr val="tx1"/>
-                </a:solidFill>
-                <a:latin typeface="+mn-ea"/>
-              </a:rPr>
-              <a:t>Chat</a:t>
-            </a:r>
-            <a:r>
-              <a:rPr lang="ja-JP" altLang="en-US" sz="3600" dirty="0" smtClean="0">
-                <a:solidFill>
-                  <a:schemeClr val="tx1"/>
-                </a:solidFill>
-                <a:latin typeface="+mn-ea"/>
-              </a:rPr>
-              <a:t>ボットの利用も想定されます．</a:t>
-            </a:r>
-            <a:r>
-              <a:rPr lang="en-US" altLang="ja-JP" sz="3600" dirty="0" smtClean="0">
-                <a:solidFill>
-                  <a:schemeClr val="tx1"/>
-                </a:solidFill>
-                <a:latin typeface="+mn-ea"/>
-              </a:rPr>
-              <a:t>Chat</a:t>
-            </a:r>
-            <a:r>
-              <a:rPr lang="ja-JP" altLang="en-US" sz="3600" dirty="0" smtClean="0">
-                <a:solidFill>
-                  <a:schemeClr val="tx1"/>
-                </a:solidFill>
-                <a:latin typeface="+mn-ea"/>
-              </a:rPr>
-              <a:t>ボットとは人間の代わりにチャットを行うプログラムのことを指します．</a:t>
-            </a:r>
+            <a:pPr marL="857250" indent="-857250">
+              <a:buFont typeface="Wingdings" panose="05000000000000000000" pitchFamily="2" charset="2"/>
+              <a:buChar char="l"/>
+            </a:pPr>
             <a:endParaRPr lang="en-US" altLang="ja-JP" sz="3600" dirty="0" smtClean="0">
               <a:solidFill>
                 <a:schemeClr val="tx1"/>
@@ -5749,6 +5648,26 @@
             </a:endParaRPr>
           </a:p>
           <a:p>
+            <a:pPr marL="857250" indent="-857250">
+              <a:buFont typeface="Wingdings" panose="05000000000000000000" pitchFamily="2" charset="2"/>
+              <a:buChar char="l"/>
+            </a:pPr>
+            <a:endParaRPr lang="en-US" altLang="ja-JP" sz="3600" dirty="0" smtClean="0">
+              <a:solidFill>
+                <a:schemeClr val="tx1"/>
+              </a:solidFill>
+              <a:latin typeface="+mn-ea"/>
+            </a:endParaRPr>
+          </a:p>
+          <a:p>
+            <a:endParaRPr lang="en-US" altLang="ja-JP" sz="3600" dirty="0" smtClean="0">
+              <a:solidFill>
+                <a:schemeClr val="tx1"/>
+              </a:solidFill>
+              <a:latin typeface="+mn-ea"/>
+            </a:endParaRPr>
+          </a:p>
+          <a:p>
             <a:endParaRPr lang="en-US" altLang="ja-JP" sz="3600" dirty="0">
               <a:solidFill>
                 <a:schemeClr val="tx1"/>
@@ -5758,25 +5677,579 @@
           </a:p>
         </p:txBody>
       </p:sp>
+      <p:sp>
+        <p:nvSpPr>
+          <p:cNvPr id="35" name="正方形/長方形 34"/>
+          <p:cNvSpPr/>
+          <p:nvPr/>
+        </p:nvSpPr>
+        <p:spPr>
+          <a:xfrm>
+            <a:off x="745148" y="10200993"/>
+            <a:ext cx="3029205" cy="1103324"/>
+          </a:xfrm>
+          <a:prstGeom prst="rect">
+            <a:avLst/>
+          </a:prstGeom>
+          <a:solidFill>
+            <a:schemeClr val="bg1"/>
+          </a:solidFill>
+          <a:ln>
+            <a:solidFill>
+              <a:schemeClr val="tx1"/>
+            </a:solidFill>
+          </a:ln>
+        </p:spPr>
+        <p:style>
+          <a:lnRef idx="2">
+            <a:schemeClr val="accent1">
+              <a:shade val="50000"/>
+            </a:schemeClr>
+          </a:lnRef>
+          <a:fillRef idx="1">
+            <a:schemeClr val="accent1"/>
+          </a:fillRef>
+          <a:effectRef idx="0">
+            <a:schemeClr val="accent1"/>
+          </a:effectRef>
+          <a:fontRef idx="minor">
+            <a:schemeClr val="lt1"/>
+          </a:fontRef>
+        </p:style>
+        <p:txBody>
+          <a:bodyPr rtlCol="0" anchor="ctr"/>
+          <a:lstStyle/>
+          <a:p>
+            <a:pPr algn="ctr"/>
+            <a:r>
+              <a:rPr kumimoji="1" lang="ja-JP" altLang="en-US" sz="3200" dirty="0" smtClean="0">
+                <a:solidFill>
+                  <a:schemeClr val="tx1"/>
+                </a:solidFill>
+              </a:rPr>
+              <a:t>監視ツール</a:t>
+            </a:r>
+            <a:endParaRPr kumimoji="1" lang="ja-JP" altLang="en-US" sz="3200" dirty="0">
+              <a:solidFill>
+                <a:schemeClr val="tx1"/>
+              </a:solidFill>
+            </a:endParaRPr>
+          </a:p>
+        </p:txBody>
+      </p:sp>
+      <p:sp>
+        <p:nvSpPr>
+          <p:cNvPr id="36" name="正方形/長方形 35"/>
+          <p:cNvSpPr/>
+          <p:nvPr/>
+        </p:nvSpPr>
+        <p:spPr>
+          <a:xfrm>
+            <a:off x="4492827" y="10194562"/>
+            <a:ext cx="2924275" cy="1109754"/>
+          </a:xfrm>
+          <a:prstGeom prst="rect">
+            <a:avLst/>
+          </a:prstGeom>
+          <a:solidFill>
+            <a:schemeClr val="bg1"/>
+          </a:solidFill>
+          <a:ln>
+            <a:solidFill>
+              <a:schemeClr val="tx1"/>
+            </a:solidFill>
+          </a:ln>
+        </p:spPr>
+        <p:style>
+          <a:lnRef idx="2">
+            <a:schemeClr val="accent1">
+              <a:shade val="50000"/>
+            </a:schemeClr>
+          </a:lnRef>
+          <a:fillRef idx="1">
+            <a:schemeClr val="accent1"/>
+          </a:fillRef>
+          <a:effectRef idx="0">
+            <a:schemeClr val="accent1"/>
+          </a:effectRef>
+          <a:fontRef idx="minor">
+            <a:schemeClr val="lt1"/>
+          </a:fontRef>
+        </p:style>
+        <p:txBody>
+          <a:bodyPr rtlCol="0" anchor="ctr"/>
+          <a:lstStyle/>
+          <a:p>
+            <a:pPr algn="ctr"/>
+            <a:r>
+              <a:rPr kumimoji="1" lang="ja-JP" altLang="en-US" sz="3200" dirty="0" smtClean="0">
+                <a:solidFill>
+                  <a:schemeClr val="tx1"/>
+                </a:solidFill>
+              </a:rPr>
+              <a:t>通知ツール</a:t>
+            </a:r>
+            <a:endParaRPr kumimoji="1" lang="ja-JP" altLang="en-US" sz="3200" dirty="0">
+              <a:solidFill>
+                <a:schemeClr val="tx1"/>
+              </a:solidFill>
+            </a:endParaRPr>
+          </a:p>
+        </p:txBody>
+      </p:sp>
+      <p:sp>
+        <p:nvSpPr>
+          <p:cNvPr id="37" name="正方形/長方形 36"/>
+          <p:cNvSpPr/>
+          <p:nvPr/>
+        </p:nvSpPr>
+        <p:spPr>
+          <a:xfrm>
+            <a:off x="8202926" y="10200992"/>
+            <a:ext cx="3670558" cy="1103325"/>
+          </a:xfrm>
+          <a:prstGeom prst="rect">
+            <a:avLst/>
+          </a:prstGeom>
+          <a:solidFill>
+            <a:schemeClr val="bg1"/>
+          </a:solidFill>
+          <a:ln>
+            <a:solidFill>
+              <a:schemeClr val="tx1"/>
+            </a:solidFill>
+          </a:ln>
+        </p:spPr>
+        <p:style>
+          <a:lnRef idx="2">
+            <a:schemeClr val="accent1">
+              <a:shade val="50000"/>
+            </a:schemeClr>
+          </a:lnRef>
+          <a:fillRef idx="1">
+            <a:schemeClr val="accent1"/>
+          </a:fillRef>
+          <a:effectRef idx="0">
+            <a:schemeClr val="accent1"/>
+          </a:effectRef>
+          <a:fontRef idx="minor">
+            <a:schemeClr val="lt1"/>
+          </a:fontRef>
+        </p:style>
+        <p:txBody>
+          <a:bodyPr rtlCol="0" anchor="ctr"/>
+          <a:lstStyle/>
+          <a:p>
+            <a:pPr algn="ctr"/>
+            <a:r>
+              <a:rPr lang="ja-JP" altLang="en-US" sz="3200" dirty="0">
+                <a:solidFill>
+                  <a:schemeClr val="tx1"/>
+                </a:solidFill>
+              </a:rPr>
+              <a:t>インシデント</a:t>
+            </a:r>
+            <a:endParaRPr lang="en-US" altLang="ja-JP" sz="3200" dirty="0">
+              <a:solidFill>
+                <a:schemeClr val="tx1"/>
+              </a:solidFill>
+            </a:endParaRPr>
+          </a:p>
+          <a:p>
+            <a:pPr algn="ctr"/>
+            <a:r>
+              <a:rPr lang="ja-JP" altLang="en-US" sz="3200" dirty="0">
+                <a:solidFill>
+                  <a:schemeClr val="tx1"/>
+                </a:solidFill>
+              </a:rPr>
+              <a:t>管理ツール</a:t>
+            </a:r>
+          </a:p>
+        </p:txBody>
+      </p:sp>
+      <p:sp>
+        <p:nvSpPr>
+          <p:cNvPr id="38" name="正方形/長方形 37"/>
+          <p:cNvSpPr/>
+          <p:nvPr/>
+        </p:nvSpPr>
+        <p:spPr>
+          <a:xfrm>
+            <a:off x="12753178" y="10174787"/>
+            <a:ext cx="3670558" cy="1098945"/>
+          </a:xfrm>
+          <a:prstGeom prst="rect">
+            <a:avLst/>
+          </a:prstGeom>
+          <a:solidFill>
+            <a:schemeClr val="bg1"/>
+          </a:solidFill>
+          <a:ln>
+            <a:solidFill>
+              <a:schemeClr val="tx1"/>
+            </a:solidFill>
+          </a:ln>
+        </p:spPr>
+        <p:style>
+          <a:lnRef idx="2">
+            <a:schemeClr val="accent1">
+              <a:shade val="50000"/>
+            </a:schemeClr>
+          </a:lnRef>
+          <a:fillRef idx="1">
+            <a:schemeClr val="accent1"/>
+          </a:fillRef>
+          <a:effectRef idx="0">
+            <a:schemeClr val="accent1"/>
+          </a:effectRef>
+          <a:fontRef idx="minor">
+            <a:schemeClr val="lt1"/>
+          </a:fontRef>
+        </p:style>
+        <p:txBody>
+          <a:bodyPr rtlCol="0" anchor="ctr"/>
+          <a:lstStyle/>
+          <a:p>
+            <a:pPr algn="ctr"/>
+            <a:r>
+              <a:rPr kumimoji="1" lang="en-US" altLang="ja-JP" sz="3200" dirty="0" smtClean="0">
+                <a:solidFill>
+                  <a:schemeClr val="tx1"/>
+                </a:solidFill>
+                <a:latin typeface="+mn-ea"/>
+              </a:rPr>
+              <a:t>GitHub</a:t>
+            </a:r>
+            <a:endParaRPr kumimoji="1" lang="ja-JP" altLang="en-US" sz="3200" dirty="0">
+              <a:solidFill>
+                <a:schemeClr val="tx1"/>
+              </a:solidFill>
+              <a:latin typeface="+mn-ea"/>
+            </a:endParaRPr>
+          </a:p>
+        </p:txBody>
+      </p:sp>
+      <p:sp>
+        <p:nvSpPr>
+          <p:cNvPr id="11" name="テキスト ボックス 10"/>
+          <p:cNvSpPr txBox="1"/>
+          <p:nvPr/>
+        </p:nvSpPr>
+        <p:spPr>
+          <a:xfrm>
+            <a:off x="1277213" y="5625058"/>
+            <a:ext cx="14021517" cy="707886"/>
+          </a:xfrm>
+          <a:prstGeom prst="rect">
+            <a:avLst/>
+          </a:prstGeom>
+          <a:noFill/>
+        </p:spPr>
+        <p:txBody>
+          <a:bodyPr wrap="square" rtlCol="0">
+            <a:spAutoFit/>
+          </a:bodyPr>
+          <a:lstStyle/>
+          <a:p>
+            <a:r>
+              <a:rPr kumimoji="1" lang="en-US" altLang="ja-JP" sz="4000" dirty="0" smtClean="0"/>
+              <a:t>SaaS</a:t>
+            </a:r>
+            <a:r>
+              <a:rPr kumimoji="1" lang="ja-JP" altLang="en-US" sz="4000" dirty="0" smtClean="0"/>
+              <a:t>　クラウド上で提供されるアプリケーション</a:t>
+            </a:r>
+            <a:endParaRPr kumimoji="1" lang="ja-JP" altLang="en-US" sz="4000" dirty="0"/>
+          </a:p>
+        </p:txBody>
+      </p:sp>
+      <p:sp>
+        <p:nvSpPr>
+          <p:cNvPr id="12" name="テキスト ボックス 11"/>
+          <p:cNvSpPr txBox="1"/>
+          <p:nvPr/>
+        </p:nvSpPr>
+        <p:spPr>
+          <a:xfrm>
+            <a:off x="1155220" y="7997962"/>
+            <a:ext cx="18467172" cy="1323439"/>
+          </a:xfrm>
+          <a:prstGeom prst="rect">
+            <a:avLst/>
+          </a:prstGeom>
+          <a:noFill/>
+        </p:spPr>
+        <p:txBody>
+          <a:bodyPr wrap="square" rtlCol="0">
+            <a:spAutoFit/>
+          </a:bodyPr>
+          <a:lstStyle/>
+          <a:p>
+            <a:r>
+              <a:rPr kumimoji="1" lang="ja-JP" altLang="en-US" sz="4000" dirty="0" smtClean="0"/>
+              <a:t>多くのコストや手間がかかってしまう．</a:t>
+            </a:r>
+            <a:endParaRPr kumimoji="1" lang="en-US" altLang="ja-JP" sz="4000" dirty="0" smtClean="0"/>
+          </a:p>
+          <a:p>
+            <a:r>
+              <a:rPr lang="ja-JP" altLang="en-US" sz="4000" dirty="0" smtClean="0"/>
+              <a:t>２０１</a:t>
+            </a:r>
+            <a:r>
+              <a:rPr lang="ja-JP" altLang="en-US" sz="4000" dirty="0"/>
+              <a:t>３</a:t>
+            </a:r>
+            <a:r>
+              <a:rPr lang="ja-JP" altLang="en-US" sz="4000" dirty="0" smtClean="0"/>
+              <a:t>年に登場した</a:t>
+            </a:r>
+            <a:r>
+              <a:rPr lang="en-US" altLang="ja-JP" sz="4000" dirty="0" smtClean="0"/>
+              <a:t>Slack</a:t>
+            </a:r>
+            <a:r>
+              <a:rPr lang="ja-JP" altLang="en-US" sz="4000" dirty="0" smtClean="0"/>
+              <a:t>（チャットサービス</a:t>
+            </a:r>
+            <a:r>
+              <a:rPr lang="ja-JP" altLang="en-US" sz="4000" dirty="0"/>
+              <a:t>）</a:t>
+            </a:r>
+            <a:r>
+              <a:rPr lang="ja-JP" altLang="en-US" sz="4000" dirty="0" smtClean="0"/>
+              <a:t>はこの問題を解決することが期待される．</a:t>
+            </a:r>
+            <a:endParaRPr kumimoji="1" lang="ja-JP" altLang="en-US" sz="4000" dirty="0"/>
+          </a:p>
+        </p:txBody>
+      </p:sp>
+      <p:sp>
+        <p:nvSpPr>
+          <p:cNvPr id="15" name="テキスト ボックス 14"/>
+          <p:cNvSpPr txBox="1"/>
+          <p:nvPr/>
+        </p:nvSpPr>
+        <p:spPr>
+          <a:xfrm>
+            <a:off x="1277213" y="11521467"/>
+            <a:ext cx="19259894" cy="1938992"/>
+          </a:xfrm>
+          <a:prstGeom prst="rect">
+            <a:avLst/>
+          </a:prstGeom>
+          <a:noFill/>
+        </p:spPr>
+        <p:txBody>
+          <a:bodyPr wrap="square" rtlCol="0">
+            <a:spAutoFit/>
+          </a:bodyPr>
+          <a:lstStyle/>
+          <a:p>
+            <a:r>
+              <a:rPr lang="ja-JP" altLang="en-US" sz="4000" dirty="0" smtClean="0"/>
+              <a:t>チャットサービスにツールを連携して自動化すること．それを</a:t>
+            </a:r>
+            <a:r>
+              <a:rPr lang="en-US" altLang="ja-JP" sz="4000" dirty="0" err="1" smtClean="0"/>
+              <a:t>ChatOps</a:t>
+            </a:r>
+            <a:r>
+              <a:rPr lang="ja-JP" altLang="en-US" sz="4000" dirty="0" smtClean="0"/>
+              <a:t>という．</a:t>
+            </a:r>
+            <a:endParaRPr lang="en-US" altLang="ja-JP" sz="4000" dirty="0" smtClean="0"/>
+          </a:p>
+          <a:p>
+            <a:r>
+              <a:rPr kumimoji="1" lang="en-US" altLang="ja-JP" sz="4000" dirty="0" err="1" smtClean="0"/>
+              <a:t>ChatOps</a:t>
+            </a:r>
+            <a:r>
+              <a:rPr kumimoji="1" lang="ja-JP" altLang="en-US" sz="4000" dirty="0" smtClean="0"/>
+              <a:t>の盛り上がりに伴い</a:t>
+            </a:r>
+            <a:r>
+              <a:rPr lang="ja-JP" altLang="en-US" sz="4000" dirty="0" smtClean="0"/>
+              <a:t>チャット</a:t>
+            </a:r>
+            <a:r>
+              <a:rPr kumimoji="1" lang="ja-JP" altLang="en-US" sz="4000" dirty="0" smtClean="0"/>
+              <a:t>ボット</a:t>
+            </a:r>
+            <a:r>
+              <a:rPr kumimoji="1" lang="ja-JP" altLang="en-US" sz="4000" dirty="0" smtClean="0"/>
+              <a:t>の</a:t>
+            </a:r>
+            <a:r>
+              <a:rPr kumimoji="1" lang="ja-JP" altLang="en-US" sz="4000" dirty="0" smtClean="0"/>
+              <a:t>作成</a:t>
+            </a:r>
+            <a:r>
+              <a:rPr lang="ja-JP" altLang="en-US" sz="4000" dirty="0" smtClean="0"/>
+              <a:t>が簡単にできる</a:t>
+            </a:r>
+            <a:r>
+              <a:rPr lang="en-US" altLang="ja-JP" sz="4000" dirty="0" smtClean="0"/>
+              <a:t>OSS</a:t>
+            </a:r>
+            <a:r>
+              <a:rPr lang="ja-JP" altLang="en-US" sz="4000" dirty="0" smtClean="0"/>
+              <a:t>フレームワーク</a:t>
+            </a:r>
+            <a:r>
+              <a:rPr kumimoji="1" lang="ja-JP" altLang="en-US" sz="4000" dirty="0" smtClean="0"/>
+              <a:t>が</a:t>
+            </a:r>
+            <a:endParaRPr kumimoji="1" lang="en-US" altLang="ja-JP" sz="4000" dirty="0" smtClean="0"/>
+          </a:p>
+          <a:p>
+            <a:r>
+              <a:rPr kumimoji="1" lang="ja-JP" altLang="en-US" sz="4000" dirty="0" smtClean="0"/>
+              <a:t>２０１６年に登場した．</a:t>
+            </a:r>
+            <a:endParaRPr kumimoji="1" lang="en-US" altLang="ja-JP" sz="4000" dirty="0" smtClean="0"/>
+          </a:p>
+        </p:txBody>
+      </p:sp>
+      <p:pic>
+        <p:nvPicPr>
+          <p:cNvPr id="20" name="図 19"/>
+          <p:cNvPicPr>
+            <a:picLocks noChangeAspect="1"/>
+          </p:cNvPicPr>
+          <p:nvPr/>
+        </p:nvPicPr>
+        <p:blipFill>
+          <a:blip r:embed="rId3" cstate="print">
+            <a:extLst>
+              <a:ext uri="{28A0092B-C50C-407E-A947-70E740481C1C}">
+                <a14:useLocalDpi xmlns:a14="http://schemas.microsoft.com/office/drawing/2010/main" val="0"/>
+              </a:ext>
+            </a:extLst>
+          </a:blip>
+          <a:stretch>
+            <a:fillRect/>
+          </a:stretch>
+        </p:blipFill>
+        <p:spPr>
+          <a:xfrm>
+            <a:off x="1183565" y="13483967"/>
+            <a:ext cx="5115625" cy="2309556"/>
+          </a:xfrm>
+          <a:prstGeom prst="rect">
+            <a:avLst/>
+          </a:prstGeom>
+        </p:spPr>
+      </p:pic>
+      <p:pic>
+        <p:nvPicPr>
+          <p:cNvPr id="26" name="図 25"/>
+          <p:cNvPicPr>
+            <a:picLocks noChangeAspect="1"/>
+          </p:cNvPicPr>
+          <p:nvPr/>
+        </p:nvPicPr>
+        <p:blipFill>
+          <a:blip r:embed="rId4">
+            <a:extLst>
+              <a:ext uri="{28A0092B-C50C-407E-A947-70E740481C1C}">
+                <a14:useLocalDpi xmlns:a14="http://schemas.microsoft.com/office/drawing/2010/main" val="0"/>
+              </a:ext>
+            </a:extLst>
+          </a:blip>
+          <a:stretch>
+            <a:fillRect/>
+          </a:stretch>
+        </p:blipFill>
+        <p:spPr>
+          <a:xfrm>
+            <a:off x="12785667" y="13681822"/>
+            <a:ext cx="5079596" cy="2031838"/>
+          </a:xfrm>
+          <a:prstGeom prst="rect">
+            <a:avLst/>
+          </a:prstGeom>
+        </p:spPr>
+      </p:pic>
+      <p:pic>
+        <p:nvPicPr>
+          <p:cNvPr id="27" name="図 26"/>
+          <p:cNvPicPr>
+            <a:picLocks noChangeAspect="1"/>
+          </p:cNvPicPr>
+          <p:nvPr/>
+        </p:nvPicPr>
+        <p:blipFill>
+          <a:blip r:embed="rId5">
+            <a:extLst>
+              <a:ext uri="{28A0092B-C50C-407E-A947-70E740481C1C}">
+                <a14:useLocalDpi xmlns:a14="http://schemas.microsoft.com/office/drawing/2010/main" val="0"/>
+              </a:ext>
+            </a:extLst>
+          </a:blip>
+          <a:stretch>
+            <a:fillRect/>
+          </a:stretch>
+        </p:blipFill>
+        <p:spPr>
+          <a:xfrm>
+            <a:off x="18550829" y="13592029"/>
+            <a:ext cx="2143125" cy="2143125"/>
+          </a:xfrm>
+          <a:prstGeom prst="rect">
+            <a:avLst/>
+          </a:prstGeom>
+        </p:spPr>
+      </p:pic>
+      <p:pic>
+        <p:nvPicPr>
+          <p:cNvPr id="33" name="図 32"/>
+          <p:cNvPicPr>
+            <a:picLocks noChangeAspect="1"/>
+          </p:cNvPicPr>
+          <p:nvPr/>
+        </p:nvPicPr>
+        <p:blipFill>
+          <a:blip r:embed="rId6">
+            <a:extLst>
+              <a:ext uri="{28A0092B-C50C-407E-A947-70E740481C1C}">
+                <a14:useLocalDpi xmlns:a14="http://schemas.microsoft.com/office/drawing/2010/main" val="0"/>
+              </a:ext>
+            </a:extLst>
+          </a:blip>
+          <a:stretch>
+            <a:fillRect/>
+          </a:stretch>
+        </p:blipFill>
+        <p:spPr>
+          <a:xfrm>
+            <a:off x="6921790" y="13755759"/>
+            <a:ext cx="5333956" cy="1850884"/>
+          </a:xfrm>
+          <a:prstGeom prst="rect">
+            <a:avLst/>
+          </a:prstGeom>
+        </p:spPr>
+      </p:pic>
       <p:cxnSp>
         <p:nvCxnSpPr>
-          <p:cNvPr id="14" name="直線矢印コネクタ 13"/>
-          <p:cNvCxnSpPr/>
+          <p:cNvPr id="67" name="カギ線コネクタ 66"/>
+          <p:cNvCxnSpPr>
+            <a:endCxn id="35" idx="0"/>
+          </p:cNvCxnSpPr>
           <p:nvPr/>
         </p:nvCxnSpPr>
         <p:spPr>
-          <a:xfrm>
-            <a:off x="3000096" y="10426187"/>
-            <a:ext cx="4363404" cy="1641363"/>
-          </a:xfrm>
-          <a:prstGeom prst="straightConnector1">
+          <a:xfrm rot="10800000" flipV="1">
+            <a:off x="2259752" y="9522347"/>
+            <a:ext cx="16858587" cy="678646"/>
+          </a:xfrm>
+          <a:prstGeom prst="bentConnector2">
             <a:avLst/>
           </a:prstGeom>
-          <a:ln w="136525">
-            <a:solidFill>
-              <a:srgbClr val="0070C0"/>
-            </a:solidFill>
-            <a:headEnd type="triangle"/>
+          <a:ln w="76200">
             <a:tailEnd type="triangle"/>
           </a:ln>
         </p:spPr>
@@ -5797,23 +6270,19 @@
       </p:cxnSp>
       <p:cxnSp>
         <p:nvCxnSpPr>
-          <p:cNvPr id="31" name="直線矢印コネクタ 30"/>
+          <p:cNvPr id="70" name="直線矢印コネクタ 69"/>
           <p:cNvCxnSpPr/>
           <p:nvPr/>
         </p:nvCxnSpPr>
         <p:spPr>
           <a:xfrm>
-            <a:off x="7538781" y="10282398"/>
-            <a:ext cx="1976381" cy="1325240"/>
+            <a:off x="19118339" y="9522347"/>
+            <a:ext cx="0" cy="672215"/>
           </a:xfrm>
           <a:prstGeom prst="straightConnector1">
             <a:avLst/>
           </a:prstGeom>
-          <a:ln w="136525">
-            <a:solidFill>
-              <a:srgbClr val="0070C0"/>
-            </a:solidFill>
-            <a:headEnd type="triangle"/>
+          <a:ln w="76200">
             <a:tailEnd type="triangle"/>
           </a:ln>
         </p:spPr>
@@ -5834,23 +6303,19 @@
       </p:cxnSp>
       <p:cxnSp>
         <p:nvCxnSpPr>
-          <p:cNvPr id="25" name="直線矢印コネクタ 24"/>
+          <p:cNvPr id="73" name="直線矢印コネクタ 72"/>
           <p:cNvCxnSpPr/>
           <p:nvPr/>
         </p:nvCxnSpPr>
         <p:spPr>
-          <a:xfrm flipH="1">
-            <a:off x="10827744" y="10313543"/>
-            <a:ext cx="1867177" cy="1340349"/>
+          <a:xfrm>
+            <a:off x="14588457" y="9555750"/>
+            <a:ext cx="0" cy="672215"/>
           </a:xfrm>
           <a:prstGeom prst="straightConnector1">
             <a:avLst/>
           </a:prstGeom>
-          <a:ln w="136525">
-            <a:solidFill>
-              <a:srgbClr val="0070C0"/>
-            </a:solidFill>
-            <a:headEnd type="triangle"/>
+          <a:ln w="76200">
             <a:tailEnd type="triangle"/>
           </a:ln>
         </p:spPr>
@@ -5871,23 +6336,19 @@
       </p:cxnSp>
       <p:cxnSp>
         <p:nvCxnSpPr>
-          <p:cNvPr id="29" name="直線矢印コネクタ 28"/>
+          <p:cNvPr id="74" name="直線矢印コネクタ 73"/>
           <p:cNvCxnSpPr/>
           <p:nvPr/>
         </p:nvCxnSpPr>
         <p:spPr>
-          <a:xfrm flipH="1">
-            <a:off x="13142956" y="10516463"/>
-            <a:ext cx="3243909" cy="1654285"/>
+          <a:xfrm>
+            <a:off x="10000013" y="9528777"/>
+            <a:ext cx="0" cy="672215"/>
           </a:xfrm>
           <a:prstGeom prst="straightConnector1">
             <a:avLst/>
           </a:prstGeom>
-          <a:ln w="136525">
-            <a:solidFill>
-              <a:srgbClr val="0070C0"/>
-            </a:solidFill>
-            <a:headEnd type="triangle"/>
+          <a:ln w="76200">
             <a:tailEnd type="triangle"/>
           </a:ln>
         </p:spPr>
@@ -5906,289 +6367,171 @@
           </a:fontRef>
         </p:style>
       </p:cxnSp>
-      <p:sp>
-        <p:nvSpPr>
-          <p:cNvPr id="30" name="テキスト ボックス 29"/>
-          <p:cNvSpPr txBox="1"/>
+      <p:cxnSp>
+        <p:nvCxnSpPr>
+          <p:cNvPr id="75" name="直線矢印コネクタ 74"/>
+          <p:cNvCxnSpPr/>
           <p:nvPr/>
-        </p:nvSpPr>
-        <p:spPr>
-          <a:xfrm>
-            <a:off x="3614961" y="11501777"/>
-            <a:ext cx="2332486" cy="769441"/>
-          </a:xfrm>
-          <a:prstGeom prst="rect">
+        </p:nvCxnSpPr>
+        <p:spPr>
+          <a:xfrm>
+            <a:off x="6120868" y="9555750"/>
+            <a:ext cx="0" cy="672215"/>
+          </a:xfrm>
+          <a:prstGeom prst="straightConnector1">
             <a:avLst/>
           </a:prstGeom>
-          <a:noFill/>
-        </p:spPr>
-        <p:txBody>
-          <a:bodyPr wrap="square" rtlCol="0">
-            <a:spAutoFit/>
-          </a:bodyPr>
-          <a:lstStyle/>
-          <a:p>
-            <a:r>
-              <a:rPr kumimoji="1" lang="ja-JP" altLang="en-US" sz="4400" dirty="0" smtClean="0"/>
-              <a:t>連携</a:t>
-            </a:r>
-            <a:endParaRPr kumimoji="1" lang="ja-JP" altLang="en-US" sz="4400" dirty="0"/>
-          </a:p>
-        </p:txBody>
-      </p:sp>
-      <p:sp>
-        <p:nvSpPr>
-          <p:cNvPr id="45" name="テキスト ボックス 44"/>
-          <p:cNvSpPr txBox="1"/>
-          <p:nvPr/>
-        </p:nvSpPr>
-        <p:spPr>
-          <a:xfrm>
-            <a:off x="12237202" y="10797262"/>
-            <a:ext cx="2332486" cy="769441"/>
-          </a:xfrm>
-          <a:prstGeom prst="rect">
-            <a:avLst/>
-          </a:prstGeom>
-          <a:noFill/>
-        </p:spPr>
-        <p:txBody>
-          <a:bodyPr wrap="square" rtlCol="0">
-            <a:spAutoFit/>
-          </a:bodyPr>
-          <a:lstStyle/>
-          <a:p>
-            <a:r>
-              <a:rPr kumimoji="1" lang="ja-JP" altLang="en-US" sz="4400" dirty="0" smtClean="0"/>
-              <a:t>連携</a:t>
-            </a:r>
-            <a:endParaRPr kumimoji="1" lang="ja-JP" altLang="en-US" sz="4400" dirty="0"/>
-          </a:p>
-        </p:txBody>
-      </p:sp>
-      <p:sp>
-        <p:nvSpPr>
-          <p:cNvPr id="47" name="テキスト ボックス 46"/>
-          <p:cNvSpPr txBox="1"/>
-          <p:nvPr/>
-        </p:nvSpPr>
-        <p:spPr>
-          <a:xfrm>
-            <a:off x="6836411" y="10710874"/>
-            <a:ext cx="2332486" cy="769441"/>
-          </a:xfrm>
-          <a:prstGeom prst="rect">
-            <a:avLst/>
-          </a:prstGeom>
-          <a:noFill/>
-        </p:spPr>
-        <p:txBody>
-          <a:bodyPr wrap="square" rtlCol="0">
-            <a:spAutoFit/>
-          </a:bodyPr>
-          <a:lstStyle/>
-          <a:p>
-            <a:r>
-              <a:rPr kumimoji="1" lang="ja-JP" altLang="en-US" sz="4400" dirty="0" smtClean="0"/>
-              <a:t>連携</a:t>
-            </a:r>
-            <a:endParaRPr kumimoji="1" lang="ja-JP" altLang="en-US" sz="4400" dirty="0"/>
-          </a:p>
-        </p:txBody>
-      </p:sp>
-      <p:sp>
-        <p:nvSpPr>
-          <p:cNvPr id="53" name="テキスト ボックス 52"/>
-          <p:cNvSpPr txBox="1"/>
-          <p:nvPr/>
-        </p:nvSpPr>
-        <p:spPr>
-          <a:xfrm>
-            <a:off x="15707038" y="10844488"/>
-            <a:ext cx="2332486" cy="769441"/>
-          </a:xfrm>
-          <a:prstGeom prst="rect">
-            <a:avLst/>
-          </a:prstGeom>
-          <a:noFill/>
-        </p:spPr>
-        <p:txBody>
-          <a:bodyPr wrap="square" rtlCol="0">
-            <a:spAutoFit/>
-          </a:bodyPr>
-          <a:lstStyle/>
-          <a:p>
-            <a:r>
-              <a:rPr kumimoji="1" lang="ja-JP" altLang="en-US" sz="4400" dirty="0" smtClean="0"/>
-              <a:t>連携</a:t>
-            </a:r>
-            <a:endParaRPr kumimoji="1" lang="ja-JP" altLang="en-US" sz="4400" dirty="0"/>
-          </a:p>
-        </p:txBody>
-      </p:sp>
-      <p:sp>
-        <p:nvSpPr>
-          <p:cNvPr id="60" name="正方形/長方形 59"/>
-          <p:cNvSpPr/>
-          <p:nvPr/>
-        </p:nvSpPr>
-        <p:spPr>
-          <a:xfrm>
-            <a:off x="10714471" y="26437912"/>
-            <a:ext cx="9456105" cy="2820782"/>
-          </a:xfrm>
-          <a:prstGeom prst="rect">
-            <a:avLst/>
-          </a:prstGeom>
-          <a:solidFill>
-            <a:schemeClr val="bg1"/>
-          </a:solidFill>
-          <a:ln>
-            <a:noFill/>
+          <a:ln w="76200">
+            <a:tailEnd type="triangle"/>
           </a:ln>
         </p:spPr>
         <p:style>
-          <a:lnRef idx="2">
-            <a:schemeClr val="accent1">
-              <a:shade val="50000"/>
-            </a:schemeClr>
+          <a:lnRef idx="1">
+            <a:schemeClr val="accent1"/>
           </a:lnRef>
-          <a:fillRef idx="1">
+          <a:fillRef idx="0">
             <a:schemeClr val="accent1"/>
           </a:fillRef>
           <a:effectRef idx="0">
             <a:schemeClr val="accent1"/>
           </a:effectRef>
           <a:fontRef idx="minor">
-            <a:schemeClr val="lt1"/>
+            <a:schemeClr val="tx1"/>
           </a:fontRef>
         </p:style>
-        <p:txBody>
-          <a:bodyPr lIns="295232" tIns="147616" rIns="295232" bIns="147616" rtlCol="0" anchor="t"/>
-          <a:lstStyle/>
-          <a:p>
-            <a:pPr marL="742950" indent="-742950">
-              <a:buFont typeface="+mj-lt"/>
-              <a:buAutoNum type="arabicPeriod"/>
-            </a:pPr>
-            <a:r>
-              <a:rPr lang="ja-JP" altLang="en-US" sz="3600" dirty="0" smtClean="0">
-                <a:solidFill>
-                  <a:schemeClr val="tx1"/>
-                </a:solidFill>
-                <a:latin typeface="+mn-ea"/>
-              </a:rPr>
-              <a:t>チーム活動に必要になる要件をまとめる．</a:t>
-            </a:r>
-            <a:endParaRPr lang="en-US" altLang="ja-JP" sz="3600" dirty="0" smtClean="0">
-              <a:solidFill>
-                <a:schemeClr val="tx1"/>
-              </a:solidFill>
-              <a:latin typeface="+mn-ea"/>
-            </a:endParaRPr>
-          </a:p>
-          <a:p>
-            <a:pPr marL="742950" indent="-742950">
-              <a:buFont typeface="+mj-lt"/>
-              <a:buAutoNum type="arabicPeriod"/>
-            </a:pPr>
-            <a:r>
-              <a:rPr lang="en-US" altLang="ja-JP" sz="3600" dirty="0" smtClean="0">
-                <a:solidFill>
-                  <a:schemeClr val="tx1"/>
-                </a:solidFill>
-                <a:latin typeface="+mn-ea"/>
-              </a:rPr>
-              <a:t>JavaScript</a:t>
-            </a:r>
-            <a:r>
-              <a:rPr lang="ja-JP" altLang="en-US" sz="3600" dirty="0" smtClean="0">
-                <a:solidFill>
-                  <a:schemeClr val="tx1"/>
-                </a:solidFill>
-                <a:latin typeface="+mn-ea"/>
-              </a:rPr>
-              <a:t>を用いて機能を実装する．</a:t>
-            </a:r>
-            <a:endParaRPr lang="en-US" altLang="ja-JP" sz="3600" dirty="0" smtClean="0">
-              <a:solidFill>
-                <a:schemeClr val="tx1"/>
-              </a:solidFill>
-              <a:latin typeface="+mn-ea"/>
-            </a:endParaRPr>
-          </a:p>
-          <a:p>
-            <a:pPr marL="742950" indent="-742950">
-              <a:buFont typeface="+mj-lt"/>
-              <a:buAutoNum type="arabicPeriod"/>
-            </a:pPr>
-            <a:r>
-              <a:rPr lang="en-US" altLang="ja-JP" sz="3600" dirty="0" smtClean="0">
-                <a:solidFill>
-                  <a:schemeClr val="tx1"/>
-                </a:solidFill>
-                <a:latin typeface="+mn-ea"/>
-              </a:rPr>
-              <a:t>Chat</a:t>
-            </a:r>
-            <a:r>
-              <a:rPr lang="ja-JP" altLang="en-US" sz="3600" dirty="0" smtClean="0">
-                <a:solidFill>
-                  <a:schemeClr val="tx1"/>
-                </a:solidFill>
-                <a:latin typeface="+mn-ea"/>
-              </a:rPr>
-              <a:t>ボットを実際に利用してもらう．</a:t>
-            </a:r>
-            <a:endParaRPr lang="en-US" altLang="ja-JP" sz="3600" dirty="0">
-              <a:solidFill>
-                <a:schemeClr val="tx1"/>
-              </a:solidFill>
-              <a:latin typeface="+mn-ea"/>
-            </a:endParaRPr>
-          </a:p>
-          <a:p>
-            <a:pPr marL="857250" indent="-857250">
-              <a:buFont typeface="Wingdings" panose="05000000000000000000" pitchFamily="2" charset="2"/>
-              <a:buChar char="l"/>
-            </a:pPr>
-            <a:endParaRPr lang="en-US" altLang="ja-JP" sz="3600" dirty="0" smtClean="0">
-              <a:solidFill>
-                <a:schemeClr val="tx1"/>
-              </a:solidFill>
-              <a:latin typeface="+mn-ea"/>
-            </a:endParaRPr>
-          </a:p>
-          <a:p>
-            <a:pPr marL="857250" indent="-857250">
-              <a:buFont typeface="Wingdings" panose="05000000000000000000" pitchFamily="2" charset="2"/>
-              <a:buChar char="l"/>
-            </a:pPr>
-            <a:endParaRPr lang="en-US" altLang="ja-JP" sz="3600" dirty="0" smtClean="0">
-              <a:solidFill>
-                <a:schemeClr val="tx1"/>
-              </a:solidFill>
-              <a:latin typeface="+mn-ea"/>
-            </a:endParaRPr>
-          </a:p>
-          <a:p>
-            <a:endParaRPr lang="en-US" altLang="ja-JP" sz="3600" dirty="0" smtClean="0">
-              <a:solidFill>
-                <a:schemeClr val="tx1"/>
-              </a:solidFill>
-              <a:latin typeface="+mn-ea"/>
-            </a:endParaRPr>
-          </a:p>
-          <a:p>
-            <a:endParaRPr lang="en-US" altLang="ja-JP" sz="3600" dirty="0">
-              <a:solidFill>
-                <a:schemeClr val="tx1"/>
-              </a:solidFill>
-              <a:latin typeface="+mn-ea"/>
-            </a:endParaRPr>
-          </a:p>
-        </p:txBody>
-      </p:sp>
+      </p:cxnSp>
+      <p:cxnSp>
+        <p:nvCxnSpPr>
+          <p:cNvPr id="80" name="直線矢印コネクタ 79"/>
+          <p:cNvCxnSpPr/>
+          <p:nvPr/>
+        </p:nvCxnSpPr>
+        <p:spPr>
+          <a:xfrm>
+            <a:off x="4320163" y="6985283"/>
+            <a:ext cx="1495162" cy="7527"/>
+          </a:xfrm>
+          <a:prstGeom prst="straightConnector1">
+            <a:avLst/>
+          </a:prstGeom>
+          <a:ln w="76200">
+            <a:headEnd type="triangle"/>
+            <a:tailEnd type="triangle"/>
+          </a:ln>
+        </p:spPr>
+        <p:style>
+          <a:lnRef idx="1">
+            <a:schemeClr val="accent1"/>
+          </a:lnRef>
+          <a:fillRef idx="0">
+            <a:schemeClr val="accent1"/>
+          </a:fillRef>
+          <a:effectRef idx="0">
+            <a:schemeClr val="accent1"/>
+          </a:effectRef>
+          <a:fontRef idx="minor">
+            <a:schemeClr val="tx1"/>
+          </a:fontRef>
+        </p:style>
+      </p:cxnSp>
+      <p:sp>
+        <p:nvSpPr>
+          <p:cNvPr id="83" name="テキスト ボックス 82"/>
+          <p:cNvSpPr txBox="1"/>
+          <p:nvPr/>
+        </p:nvSpPr>
+        <p:spPr>
+          <a:xfrm>
+            <a:off x="14265687" y="6242049"/>
+            <a:ext cx="2520280" cy="523220"/>
+          </a:xfrm>
+          <a:prstGeom prst="rect">
+            <a:avLst/>
+          </a:prstGeom>
+          <a:noFill/>
+        </p:spPr>
+        <p:txBody>
+          <a:bodyPr wrap="square" rtlCol="0">
+            <a:spAutoFit/>
+          </a:bodyPr>
+          <a:lstStyle/>
+          <a:p>
+            <a:r>
+              <a:rPr lang="ja-JP" altLang="en-US" sz="2800" dirty="0" smtClean="0"/>
+              <a:t>連携</a:t>
+            </a:r>
+            <a:endParaRPr kumimoji="1" lang="ja-JP" altLang="en-US" sz="4400" dirty="0"/>
+          </a:p>
+        </p:txBody>
+      </p:sp>
+      <p:cxnSp>
+        <p:nvCxnSpPr>
+          <p:cNvPr id="89" name="直線矢印コネクタ 88"/>
+          <p:cNvCxnSpPr/>
+          <p:nvPr/>
+        </p:nvCxnSpPr>
+        <p:spPr>
+          <a:xfrm>
+            <a:off x="8841187" y="6996226"/>
+            <a:ext cx="1495162" cy="7527"/>
+          </a:xfrm>
+          <a:prstGeom prst="straightConnector1">
+            <a:avLst/>
+          </a:prstGeom>
+          <a:ln w="76200">
+            <a:headEnd type="triangle"/>
+            <a:tailEnd type="triangle"/>
+          </a:ln>
+        </p:spPr>
+        <p:style>
+          <a:lnRef idx="1">
+            <a:schemeClr val="accent1"/>
+          </a:lnRef>
+          <a:fillRef idx="0">
+            <a:schemeClr val="accent1"/>
+          </a:fillRef>
+          <a:effectRef idx="0">
+            <a:schemeClr val="accent1"/>
+          </a:effectRef>
+          <a:fontRef idx="minor">
+            <a:schemeClr val="tx1"/>
+          </a:fontRef>
+        </p:style>
+      </p:cxnSp>
+      <p:cxnSp>
+        <p:nvCxnSpPr>
+          <p:cNvPr id="90" name="直線矢印コネクタ 89"/>
+          <p:cNvCxnSpPr/>
+          <p:nvPr/>
+        </p:nvCxnSpPr>
+        <p:spPr>
+          <a:xfrm>
+            <a:off x="14075699" y="7002823"/>
+            <a:ext cx="1495162" cy="7527"/>
+          </a:xfrm>
+          <a:prstGeom prst="straightConnector1">
+            <a:avLst/>
+          </a:prstGeom>
+          <a:ln w="76200">
+            <a:headEnd type="triangle"/>
+            <a:tailEnd type="triangle"/>
+          </a:ln>
+        </p:spPr>
+        <p:style>
+          <a:lnRef idx="1">
+            <a:schemeClr val="accent1"/>
+          </a:lnRef>
+          <a:fillRef idx="0">
+            <a:schemeClr val="accent1"/>
+          </a:fillRef>
+          <a:effectRef idx="0">
+            <a:schemeClr val="accent1"/>
+          </a:effectRef>
+          <a:fontRef idx="minor">
+            <a:schemeClr val="tx1"/>
+          </a:fontRef>
+        </p:style>
+      </p:cxnSp>
     </p:spTree>
     <p:extLst>
       <p:ext uri="{BB962C8B-B14F-4D97-AF65-F5344CB8AC3E}">

--- a/卒業論文/2015/浜野太豪/中間審査/中間ポスター.pptx
+++ b/卒業論文/2015/浜野太豪/中間審査/中間ポスター.pptx
@@ -5988,7 +5988,43 @@
           <a:p>
             <a:r>
               <a:rPr kumimoji="1" lang="ja-JP" altLang="en-US" sz="4000" dirty="0" smtClean="0"/>
-              <a:t>多くのコストや手間がかかってしまう．</a:t>
+              <a:t>各</a:t>
+            </a:r>
+            <a:r>
+              <a:rPr kumimoji="1" lang="en-US" altLang="ja-JP" sz="4000" dirty="0" smtClean="0"/>
+              <a:t>SaaS</a:t>
+            </a:r>
+            <a:r>
+              <a:rPr kumimoji="1" lang="ja-JP" altLang="en-US" sz="4000" smtClean="0"/>
+              <a:t>の連携</a:t>
+            </a:r>
+            <a:r>
+              <a:rPr kumimoji="1" lang="ja-JP" altLang="en-US" sz="4000" dirty="0" smtClean="0"/>
+              <a:t>部分</a:t>
+            </a:r>
+            <a:r>
+              <a:rPr kumimoji="1" lang="ja-JP" altLang="en-US" sz="4000" smtClean="0"/>
+              <a:t>の作り</a:t>
+            </a:r>
+            <a:r>
+              <a:rPr lang="ja-JP" altLang="en-US" sz="4000"/>
+              <a:t>込</a:t>
+            </a:r>
+            <a:r>
+              <a:rPr lang="ja-JP" altLang="en-US" sz="4000" smtClean="0"/>
+              <a:t>み</a:t>
+            </a:r>
+            <a:r>
+              <a:rPr kumimoji="1" lang="ja-JP" altLang="en-US" sz="4000" smtClean="0"/>
+              <a:t>等</a:t>
+            </a:r>
+            <a:r>
+              <a:rPr kumimoji="1" lang="ja-JP" altLang="en-US" sz="4000" dirty="0" smtClean="0"/>
+              <a:t>で多く</a:t>
+            </a:r>
+            <a:r>
+              <a:rPr kumimoji="1" lang="ja-JP" altLang="en-US" sz="4000" dirty="0" smtClean="0"/>
+              <a:t>のコストや手間がかかってしまう．</a:t>
             </a:r>
             <a:endParaRPr kumimoji="1" lang="en-US" altLang="ja-JP" sz="4000" dirty="0" smtClean="0"/>
           </a:p>
@@ -6076,15 +6112,7 @@
             </a:r>
             <a:r>
               <a:rPr kumimoji="1" lang="ja-JP" altLang="en-US" sz="4000" dirty="0" smtClean="0"/>
-              <a:t>ボット</a:t>
-            </a:r>
-            <a:r>
-              <a:rPr kumimoji="1" lang="ja-JP" altLang="en-US" sz="4000" dirty="0" smtClean="0"/>
-              <a:t>の</a:t>
-            </a:r>
-            <a:r>
-              <a:rPr kumimoji="1" lang="ja-JP" altLang="en-US" sz="4000" dirty="0" smtClean="0"/>
-              <a:t>作成</a:t>
+              <a:t>ボットの作成</a:t>
             </a:r>
             <a:r>
               <a:rPr lang="ja-JP" altLang="en-US" sz="4000" dirty="0" smtClean="0"/>
